--- a/Articles.pptx
+++ b/Articles.pptx
@@ -12,6 +12,13 @@
     <p:sldId id="259" r:id="rId6"/>
     <p:sldId id="260" r:id="rId7"/>
     <p:sldId id="261" r:id="rId8"/>
+    <p:sldId id="263" r:id="rId9"/>
+    <p:sldId id="264" r:id="rId10"/>
+    <p:sldId id="265" r:id="rId11"/>
+    <p:sldId id="266" r:id="rId12"/>
+    <p:sldId id="267" r:id="rId13"/>
+    <p:sldId id="269" r:id="rId14"/>
+    <p:sldId id="270" r:id="rId15"/>
   </p:sldIdLst>
   <p:sldSz cx="12192000" cy="6858000"/>
   <p:notesSz cx="6858000" cy="9144000"/>
@@ -249,7 +256,7 @@
           <a:p>
             <a:fld id="{7FA7C5FA-E54D-49E4-BBF9-FE52D242837C}" type="datetimeFigureOut">
               <a:rPr lang="pt-BR" smtClean="0"/>
-              <a:t>30/08/2018</a:t>
+              <a:t>02/09/2018</a:t>
             </a:fld>
             <a:endParaRPr lang="pt-BR"/>
           </a:p>
@@ -419,7 +426,7 @@
           <a:p>
             <a:fld id="{7FA7C5FA-E54D-49E4-BBF9-FE52D242837C}" type="datetimeFigureOut">
               <a:rPr lang="pt-BR" smtClean="0"/>
-              <a:t>30/08/2018</a:t>
+              <a:t>02/09/2018</a:t>
             </a:fld>
             <a:endParaRPr lang="pt-BR"/>
           </a:p>
@@ -599,7 +606,7 @@
           <a:p>
             <a:fld id="{7FA7C5FA-E54D-49E4-BBF9-FE52D242837C}" type="datetimeFigureOut">
               <a:rPr lang="pt-BR" smtClean="0"/>
-              <a:t>30/08/2018</a:t>
+              <a:t>02/09/2018</a:t>
             </a:fld>
             <a:endParaRPr lang="pt-BR"/>
           </a:p>
@@ -769,7 +776,7 @@
           <a:p>
             <a:fld id="{7FA7C5FA-E54D-49E4-BBF9-FE52D242837C}" type="datetimeFigureOut">
               <a:rPr lang="pt-BR" smtClean="0"/>
-              <a:t>30/08/2018</a:t>
+              <a:t>02/09/2018</a:t>
             </a:fld>
             <a:endParaRPr lang="pt-BR"/>
           </a:p>
@@ -1015,7 +1022,7 @@
           <a:p>
             <a:fld id="{7FA7C5FA-E54D-49E4-BBF9-FE52D242837C}" type="datetimeFigureOut">
               <a:rPr lang="pt-BR" smtClean="0"/>
-              <a:t>30/08/2018</a:t>
+              <a:t>02/09/2018</a:t>
             </a:fld>
             <a:endParaRPr lang="pt-BR"/>
           </a:p>
@@ -1247,7 +1254,7 @@
           <a:p>
             <a:fld id="{7FA7C5FA-E54D-49E4-BBF9-FE52D242837C}" type="datetimeFigureOut">
               <a:rPr lang="pt-BR" smtClean="0"/>
-              <a:t>30/08/2018</a:t>
+              <a:t>02/09/2018</a:t>
             </a:fld>
             <a:endParaRPr lang="pt-BR"/>
           </a:p>
@@ -1614,7 +1621,7 @@
           <a:p>
             <a:fld id="{7FA7C5FA-E54D-49E4-BBF9-FE52D242837C}" type="datetimeFigureOut">
               <a:rPr lang="pt-BR" smtClean="0"/>
-              <a:t>30/08/2018</a:t>
+              <a:t>02/09/2018</a:t>
             </a:fld>
             <a:endParaRPr lang="pt-BR"/>
           </a:p>
@@ -1732,7 +1739,7 @@
           <a:p>
             <a:fld id="{7FA7C5FA-E54D-49E4-BBF9-FE52D242837C}" type="datetimeFigureOut">
               <a:rPr lang="pt-BR" smtClean="0"/>
-              <a:t>30/08/2018</a:t>
+              <a:t>02/09/2018</a:t>
             </a:fld>
             <a:endParaRPr lang="pt-BR"/>
           </a:p>
@@ -1827,7 +1834,7 @@
           <a:p>
             <a:fld id="{7FA7C5FA-E54D-49E4-BBF9-FE52D242837C}" type="datetimeFigureOut">
               <a:rPr lang="pt-BR" smtClean="0"/>
-              <a:t>30/08/2018</a:t>
+              <a:t>02/09/2018</a:t>
             </a:fld>
             <a:endParaRPr lang="pt-BR"/>
           </a:p>
@@ -2104,7 +2111,7 @@
           <a:p>
             <a:fld id="{7FA7C5FA-E54D-49E4-BBF9-FE52D242837C}" type="datetimeFigureOut">
               <a:rPr lang="pt-BR" smtClean="0"/>
-              <a:t>30/08/2018</a:t>
+              <a:t>02/09/2018</a:t>
             </a:fld>
             <a:endParaRPr lang="pt-BR"/>
           </a:p>
@@ -2357,7 +2364,7 @@
           <a:p>
             <a:fld id="{7FA7C5FA-E54D-49E4-BBF9-FE52D242837C}" type="datetimeFigureOut">
               <a:rPr lang="pt-BR" smtClean="0"/>
-              <a:t>30/08/2018</a:t>
+              <a:t>02/09/2018</a:t>
             </a:fld>
             <a:endParaRPr lang="pt-BR"/>
           </a:p>
@@ -2570,7 +2577,7 @@
           <a:p>
             <a:fld id="{7FA7C5FA-E54D-49E4-BBF9-FE52D242837C}" type="datetimeFigureOut">
               <a:rPr lang="pt-BR" smtClean="0"/>
-              <a:t>30/08/2018</a:t>
+              <a:t>02/09/2018</a:t>
             </a:fld>
             <a:endParaRPr lang="pt-BR"/>
           </a:p>
@@ -2990,6 +2997,10 @@
           <a:bodyPr/>
           <a:lstStyle/>
           <a:p>
+            <a:r>
+              <a:rPr lang="pt-BR" dirty="0" smtClean="0"/>
+              <a:t>Inferência de invariantes  em loops</a:t>
+            </a:r>
             <a:endParaRPr lang="pt-BR" dirty="0"/>
           </a:p>
         </p:txBody>
@@ -3009,7 +3020,11 @@
           <a:bodyPr/>
           <a:lstStyle/>
           <a:p>
-            <a:endParaRPr lang="pt-BR"/>
+            <a:r>
+              <a:rPr lang="pt-BR" dirty="0" smtClean="0"/>
+              <a:t>Descrição de quatro diferentes métodos para a inferência de invariantes em loops.</a:t>
+            </a:r>
+            <a:endParaRPr lang="pt-BR" dirty="0"/>
           </a:p>
         </p:txBody>
       </p:sp>
@@ -3017,6 +3032,830 @@
     <p:extLst>
       <p:ext uri="{BB962C8B-B14F-4D97-AF65-F5344CB8AC3E}">
         <p14:creationId xmlns:p14="http://schemas.microsoft.com/office/powerpoint/2010/main" val="3069815170"/>
+      </p:ext>
+    </p:extLst>
+  </p:cSld>
+  <p:clrMapOvr>
+    <a:masterClrMapping/>
+  </p:clrMapOvr>
+</p:sld>
+</file>
+
+<file path=ppt/slides/slide10.xml><?xml version="1.0" encoding="utf-8"?>
+<p:sld xmlns:a="http://schemas.openxmlformats.org/drawingml/2006/main" xmlns:r="http://schemas.openxmlformats.org/officeDocument/2006/relationships" xmlns:p="http://schemas.openxmlformats.org/presentationml/2006/main">
+  <p:cSld>
+    <p:spTree>
+      <p:nvGrpSpPr>
+        <p:cNvPr id="1" name=""/>
+        <p:cNvGrpSpPr/>
+        <p:nvPr/>
+      </p:nvGrpSpPr>
+      <p:grpSpPr>
+        <a:xfrm>
+          <a:off x="0" y="0"/>
+          <a:ext cx="0" cy="0"/>
+          <a:chOff x="0" y="0"/>
+          <a:chExt cx="0" cy="0"/>
+        </a:xfrm>
+      </p:grpSpPr>
+      <p:sp>
+        <p:nvSpPr>
+          <p:cNvPr id="2" name="Título 1"/>
+          <p:cNvSpPr>
+            <a:spLocks noGrp="1"/>
+          </p:cNvSpPr>
+          <p:nvPr>
+            <p:ph type="title"/>
+          </p:nvPr>
+        </p:nvSpPr>
+        <p:spPr/>
+        <p:txBody>
+          <a:bodyPr>
+            <a:normAutofit fontScale="90000"/>
+          </a:bodyPr>
+          <a:lstStyle/>
+          <a:p>
+            <a:pPr algn="ctr"/>
+            <a:r>
+              <a:rPr lang="en-US" dirty="0"/>
+              <a:t>Automatically Inferring Quantified Loop Invariants by Algorithmic Learning from Simple Templates</a:t>
+            </a:r>
+            <a:endParaRPr lang="pt-BR" dirty="0">
+              <a:latin typeface="Arial" panose="020B0604020202020204" pitchFamily="34" charset="0"/>
+              <a:cs typeface="Arial" panose="020B0604020202020204" pitchFamily="34" charset="0"/>
+            </a:endParaRPr>
+          </a:p>
+        </p:txBody>
+      </p:sp>
+      <p:sp>
+        <p:nvSpPr>
+          <p:cNvPr id="3" name="Espaço Reservado para Conteúdo 2"/>
+          <p:cNvSpPr>
+            <a:spLocks noGrp="1"/>
+          </p:cNvSpPr>
+          <p:nvPr>
+            <p:ph idx="1"/>
+          </p:nvPr>
+        </p:nvSpPr>
+        <p:spPr>
+          <a:xfrm>
+            <a:off x="838200" y="1825625"/>
+            <a:ext cx="10680700" cy="4351338"/>
+          </a:xfrm>
+        </p:spPr>
+        <p:txBody>
+          <a:bodyPr>
+            <a:normAutofit/>
+          </a:bodyPr>
+          <a:lstStyle/>
+          <a:p>
+            <a:pPr algn="just"/>
+            <a:r>
+              <a:rPr lang="pt-BR" dirty="0" smtClean="0">
+                <a:cs typeface="Arial" panose="020B0604020202020204" pitchFamily="34" charset="0"/>
+              </a:rPr>
+              <a:t>Além disso, a invariante não deve ser uma expressão booleana, mas algo mais elaborado, como uma expressão livre de quantificadores ou  uma expressão de primeira ordem (Com quantificadores).</a:t>
+            </a:r>
+          </a:p>
+          <a:p>
+            <a:pPr marL="0" indent="0" algn="just">
+              <a:buNone/>
+            </a:pPr>
+            <a:endParaRPr lang="pt-BR" dirty="0">
+              <a:cs typeface="Arial" panose="020B0604020202020204" pitchFamily="34" charset="0"/>
+            </a:endParaRPr>
+          </a:p>
+          <a:p>
+            <a:pPr marL="0" indent="0" algn="just">
+              <a:buNone/>
+            </a:pPr>
+            <a:endParaRPr lang="pt-BR" dirty="0">
+              <a:cs typeface="Arial" panose="020B0604020202020204" pitchFamily="34" charset="0"/>
+            </a:endParaRPr>
+          </a:p>
+          <a:p>
+            <a:pPr algn="just"/>
+            <a:r>
+              <a:rPr lang="pt-BR" dirty="0" smtClean="0">
+                <a:cs typeface="Arial" panose="020B0604020202020204" pitchFamily="34" charset="0"/>
+              </a:rPr>
+              <a:t>Para contornar este problema, o algoritmo pede o auxílio do usuário, que deve providenciar duas informações: Um </a:t>
+            </a:r>
+            <a:r>
+              <a:rPr lang="pt-BR" dirty="0" err="1" smtClean="0">
+                <a:cs typeface="Arial" panose="020B0604020202020204" pitchFamily="34" charset="0"/>
+              </a:rPr>
+              <a:t>template</a:t>
+            </a:r>
+            <a:r>
+              <a:rPr lang="pt-BR" dirty="0" smtClean="0">
+                <a:cs typeface="Arial" panose="020B0604020202020204" pitchFamily="34" charset="0"/>
+              </a:rPr>
+              <a:t> e um conjunto de proposições atômicas.</a:t>
+            </a:r>
+            <a:endParaRPr lang="pt-BR" dirty="0">
+              <a:cs typeface="Arial" panose="020B0604020202020204" pitchFamily="34" charset="0"/>
+            </a:endParaRPr>
+          </a:p>
+          <a:p>
+            <a:pPr algn="just"/>
+            <a:endParaRPr lang="pt-BR" dirty="0" smtClean="0">
+              <a:cs typeface="Arial" panose="020B0604020202020204" pitchFamily="34" charset="0"/>
+            </a:endParaRPr>
+          </a:p>
+        </p:txBody>
+      </p:sp>
+    </p:spTree>
+    <p:extLst>
+      <p:ext uri="{BB962C8B-B14F-4D97-AF65-F5344CB8AC3E}">
+        <p14:creationId xmlns:p14="http://schemas.microsoft.com/office/powerpoint/2010/main" val="114644691"/>
+      </p:ext>
+    </p:extLst>
+  </p:cSld>
+  <p:clrMapOvr>
+    <a:masterClrMapping/>
+  </p:clrMapOvr>
+</p:sld>
+</file>
+
+<file path=ppt/slides/slide11.xml><?xml version="1.0" encoding="utf-8"?>
+<p:sld xmlns:a="http://schemas.openxmlformats.org/drawingml/2006/main" xmlns:r="http://schemas.openxmlformats.org/officeDocument/2006/relationships" xmlns:p="http://schemas.openxmlformats.org/presentationml/2006/main">
+  <p:cSld>
+    <p:spTree>
+      <p:nvGrpSpPr>
+        <p:cNvPr id="1" name=""/>
+        <p:cNvGrpSpPr/>
+        <p:nvPr/>
+      </p:nvGrpSpPr>
+      <p:grpSpPr>
+        <a:xfrm>
+          <a:off x="0" y="0"/>
+          <a:ext cx="0" cy="0"/>
+          <a:chOff x="0" y="0"/>
+          <a:chExt cx="0" cy="0"/>
+        </a:xfrm>
+      </p:grpSpPr>
+      <p:sp>
+        <p:nvSpPr>
+          <p:cNvPr id="2" name="Título 1"/>
+          <p:cNvSpPr>
+            <a:spLocks noGrp="1"/>
+          </p:cNvSpPr>
+          <p:nvPr>
+            <p:ph type="title"/>
+          </p:nvPr>
+        </p:nvSpPr>
+        <p:spPr/>
+        <p:txBody>
+          <a:bodyPr>
+            <a:normAutofit fontScale="90000"/>
+          </a:bodyPr>
+          <a:lstStyle/>
+          <a:p>
+            <a:pPr algn="ctr"/>
+            <a:r>
+              <a:rPr lang="en-US" dirty="0"/>
+              <a:t>Automatically Inferring Quantified Loop Invariants by Algorithmic Learning from Simple Templates</a:t>
+            </a:r>
+            <a:endParaRPr lang="pt-BR" dirty="0">
+              <a:latin typeface="Arial" panose="020B0604020202020204" pitchFamily="34" charset="0"/>
+              <a:cs typeface="Arial" panose="020B0604020202020204" pitchFamily="34" charset="0"/>
+            </a:endParaRPr>
+          </a:p>
+        </p:txBody>
+      </p:sp>
+      <p:sp>
+        <p:nvSpPr>
+          <p:cNvPr id="3" name="Espaço Reservado para Conteúdo 2"/>
+          <p:cNvSpPr>
+            <a:spLocks noGrp="1"/>
+          </p:cNvSpPr>
+          <p:nvPr>
+            <p:ph idx="1"/>
+          </p:nvPr>
+        </p:nvSpPr>
+        <p:spPr>
+          <a:xfrm>
+            <a:off x="838200" y="1825625"/>
+            <a:ext cx="10680700" cy="4351338"/>
+          </a:xfrm>
+        </p:spPr>
+        <p:txBody>
+          <a:bodyPr>
+            <a:normAutofit/>
+          </a:bodyPr>
+          <a:lstStyle/>
+          <a:p>
+            <a:pPr algn="just"/>
+            <a:r>
+              <a:rPr lang="pt-BR" dirty="0" smtClean="0">
+                <a:cs typeface="Arial" panose="020B0604020202020204" pitchFamily="34" charset="0"/>
+              </a:rPr>
+              <a:t>O </a:t>
+            </a:r>
+            <a:r>
+              <a:rPr lang="pt-BR" dirty="0" err="1" smtClean="0">
+                <a:cs typeface="Arial" panose="020B0604020202020204" pitchFamily="34" charset="0"/>
+              </a:rPr>
+              <a:t>template</a:t>
+            </a:r>
+            <a:r>
+              <a:rPr lang="pt-BR" dirty="0" smtClean="0">
+                <a:cs typeface="Arial" panose="020B0604020202020204" pitchFamily="34" charset="0"/>
+              </a:rPr>
+              <a:t> é uma especificação do tipo de invariante que o programa deve buscar. Por exemplo, se o </a:t>
+            </a:r>
+            <a:r>
+              <a:rPr lang="pt-BR" dirty="0" err="1" smtClean="0">
+                <a:cs typeface="Arial" panose="020B0604020202020204" pitchFamily="34" charset="0"/>
+              </a:rPr>
+              <a:t>template</a:t>
+            </a:r>
+            <a:r>
+              <a:rPr lang="pt-BR" dirty="0" smtClean="0">
+                <a:cs typeface="Arial" panose="020B0604020202020204" pitchFamily="34" charset="0"/>
+              </a:rPr>
+              <a:t> é “Existe </a:t>
+            </a:r>
+            <a:r>
+              <a:rPr lang="pt-BR" i="1" dirty="0" smtClean="0">
+                <a:cs typeface="Arial" panose="020B0604020202020204" pitchFamily="34" charset="0"/>
+              </a:rPr>
+              <a:t>x</a:t>
+            </a:r>
+            <a:r>
+              <a:rPr lang="pt-BR" dirty="0">
+                <a:cs typeface="Arial" panose="020B0604020202020204" pitchFamily="34" charset="0"/>
+              </a:rPr>
+              <a:t> </a:t>
+            </a:r>
+            <a:r>
+              <a:rPr lang="pt-BR" dirty="0" smtClean="0">
+                <a:cs typeface="Arial" panose="020B0604020202020204" pitchFamily="34" charset="0"/>
+              </a:rPr>
+              <a:t>tal que ...”, então a invariante gerada será desta forma, e buscará apenas completar o espaço em branco.</a:t>
+            </a:r>
+            <a:endParaRPr lang="pt-BR" dirty="0">
+              <a:cs typeface="Arial" panose="020B0604020202020204" pitchFamily="34" charset="0"/>
+            </a:endParaRPr>
+          </a:p>
+          <a:p>
+            <a:pPr algn="just"/>
+            <a:endParaRPr lang="pt-BR" dirty="0" smtClean="0">
+              <a:cs typeface="Arial" panose="020B0604020202020204" pitchFamily="34" charset="0"/>
+            </a:endParaRPr>
+          </a:p>
+          <a:p>
+            <a:pPr algn="just"/>
+            <a:r>
+              <a:rPr lang="pt-BR" dirty="0" smtClean="0">
+                <a:cs typeface="Arial" panose="020B0604020202020204" pitchFamily="34" charset="0"/>
+              </a:rPr>
+              <a:t>Proposições atômicas são afirmações lógicas que devem ser falsas ou verdadeiras. O algoritmo irá utilizá-las para converter as expressões booleanas em expressões mais complexas.</a:t>
+            </a:r>
+          </a:p>
+        </p:txBody>
+      </p:sp>
+    </p:spTree>
+    <p:extLst>
+      <p:ext uri="{BB962C8B-B14F-4D97-AF65-F5344CB8AC3E}">
+        <p14:creationId xmlns:p14="http://schemas.microsoft.com/office/powerpoint/2010/main" val="1145038262"/>
+      </p:ext>
+    </p:extLst>
+  </p:cSld>
+  <p:clrMapOvr>
+    <a:masterClrMapping/>
+  </p:clrMapOvr>
+</p:sld>
+</file>
+
+<file path=ppt/slides/slide12.xml><?xml version="1.0" encoding="utf-8"?>
+<p:sld xmlns:a="http://schemas.openxmlformats.org/drawingml/2006/main" xmlns:r="http://schemas.openxmlformats.org/officeDocument/2006/relationships" xmlns:p="http://schemas.openxmlformats.org/presentationml/2006/main">
+  <p:cSld>
+    <p:spTree>
+      <p:nvGrpSpPr>
+        <p:cNvPr id="1" name=""/>
+        <p:cNvGrpSpPr/>
+        <p:nvPr/>
+      </p:nvGrpSpPr>
+      <p:grpSpPr>
+        <a:xfrm>
+          <a:off x="0" y="0"/>
+          <a:ext cx="0" cy="0"/>
+          <a:chOff x="0" y="0"/>
+          <a:chExt cx="0" cy="0"/>
+        </a:xfrm>
+      </p:grpSpPr>
+      <p:sp>
+        <p:nvSpPr>
+          <p:cNvPr id="2" name="Título 1"/>
+          <p:cNvSpPr>
+            <a:spLocks noGrp="1"/>
+          </p:cNvSpPr>
+          <p:nvPr>
+            <p:ph type="title"/>
+          </p:nvPr>
+        </p:nvSpPr>
+        <p:spPr/>
+        <p:txBody>
+          <a:bodyPr>
+            <a:normAutofit/>
+          </a:bodyPr>
+          <a:lstStyle/>
+          <a:p>
+            <a:pPr algn="ctr"/>
+            <a:r>
+              <a:rPr lang="en-US" dirty="0"/>
+              <a:t>Accelerated Invariant Generation for C Programs with Aspic and C2fsm</a:t>
+            </a:r>
+            <a:endParaRPr lang="pt-BR" dirty="0">
+              <a:latin typeface="Arial" panose="020B0604020202020204" pitchFamily="34" charset="0"/>
+              <a:cs typeface="Arial" panose="020B0604020202020204" pitchFamily="34" charset="0"/>
+            </a:endParaRPr>
+          </a:p>
+        </p:txBody>
+      </p:sp>
+      <p:sp>
+        <p:nvSpPr>
+          <p:cNvPr id="3" name="Espaço Reservado para Conteúdo 2"/>
+          <p:cNvSpPr>
+            <a:spLocks noGrp="1"/>
+          </p:cNvSpPr>
+          <p:nvPr>
+            <p:ph idx="1"/>
+          </p:nvPr>
+        </p:nvSpPr>
+        <p:spPr>
+          <a:xfrm>
+            <a:off x="838200" y="1825624"/>
+            <a:ext cx="10680700" cy="4628963"/>
+          </a:xfrm>
+        </p:spPr>
+        <p:txBody>
+          <a:bodyPr>
+            <a:normAutofit lnSpcReduction="10000"/>
+          </a:bodyPr>
+          <a:lstStyle/>
+          <a:p>
+            <a:pPr algn="just"/>
+            <a:r>
+              <a:rPr lang="pt-BR" dirty="0" smtClean="0">
+                <a:cs typeface="Arial" panose="020B0604020202020204" pitchFamily="34" charset="0"/>
+              </a:rPr>
+              <a:t>A ideia básica do artigo é utilizar duas ferramentas complementares na geração de invariantes: ASPIC, uma ferramenta que gera invariantes dado um autômato como entrada, e c2fsm, uma ferramenta que gera autômatos a partir de um programa em C.</a:t>
+            </a:r>
+          </a:p>
+          <a:p>
+            <a:pPr algn="just"/>
+            <a:endParaRPr lang="pt-BR" dirty="0">
+              <a:cs typeface="Arial" panose="020B0604020202020204" pitchFamily="34" charset="0"/>
+            </a:endParaRPr>
+          </a:p>
+          <a:p>
+            <a:pPr algn="just"/>
+            <a:r>
+              <a:rPr lang="pt-BR" dirty="0" smtClean="0">
+                <a:cs typeface="Arial" panose="020B0604020202020204" pitchFamily="34" charset="0"/>
+              </a:rPr>
+              <a:t>Naturalmente, o c2fsm é utilizado como um intermediário entre ASPIC e o programa original. Contudo, também são aplicadas ao autômato várias otimizações que tornam o trabalho do ASPIC mais simples.</a:t>
+            </a:r>
+          </a:p>
+          <a:p>
+            <a:pPr algn="just"/>
+            <a:endParaRPr lang="pt-BR" dirty="0">
+              <a:cs typeface="Arial" panose="020B0604020202020204" pitchFamily="34" charset="0"/>
+            </a:endParaRPr>
+          </a:p>
+          <a:p>
+            <a:r>
+              <a:rPr lang="pt-BR" dirty="0" smtClean="0">
+                <a:cs typeface="Arial" panose="020B0604020202020204" pitchFamily="34" charset="0"/>
+              </a:rPr>
+              <a:t>Em comparação com os outros artigos, realmente não há muito o que se explicar quanto a esse.</a:t>
+            </a:r>
+          </a:p>
+        </p:txBody>
+      </p:sp>
+    </p:spTree>
+    <p:extLst>
+      <p:ext uri="{BB962C8B-B14F-4D97-AF65-F5344CB8AC3E}">
+        <p14:creationId xmlns:p14="http://schemas.microsoft.com/office/powerpoint/2010/main" val="2760119133"/>
+      </p:ext>
+    </p:extLst>
+  </p:cSld>
+  <p:clrMapOvr>
+    <a:masterClrMapping/>
+  </p:clrMapOvr>
+</p:sld>
+</file>
+
+<file path=ppt/slides/slide13.xml><?xml version="1.0" encoding="utf-8"?>
+<p:sld xmlns:a="http://schemas.openxmlformats.org/drawingml/2006/main" xmlns:r="http://schemas.openxmlformats.org/officeDocument/2006/relationships" xmlns:p="http://schemas.openxmlformats.org/presentationml/2006/main">
+  <p:cSld>
+    <p:spTree>
+      <p:nvGrpSpPr>
+        <p:cNvPr id="1" name=""/>
+        <p:cNvGrpSpPr/>
+        <p:nvPr/>
+      </p:nvGrpSpPr>
+      <p:grpSpPr>
+        <a:xfrm>
+          <a:off x="0" y="0"/>
+          <a:ext cx="0" cy="0"/>
+          <a:chOff x="0" y="0"/>
+          <a:chExt cx="0" cy="0"/>
+        </a:xfrm>
+      </p:grpSpPr>
+      <p:sp>
+        <p:nvSpPr>
+          <p:cNvPr id="2" name="Título 1"/>
+          <p:cNvSpPr>
+            <a:spLocks noGrp="1"/>
+          </p:cNvSpPr>
+          <p:nvPr>
+            <p:ph type="title"/>
+          </p:nvPr>
+        </p:nvSpPr>
+        <p:spPr/>
+        <p:txBody>
+          <a:bodyPr>
+            <a:normAutofit/>
+          </a:bodyPr>
+          <a:lstStyle/>
+          <a:p>
+            <a:pPr algn="ctr"/>
+            <a:r>
+              <a:rPr lang="pt-BR" dirty="0" err="1"/>
+              <a:t>InvGen</a:t>
+            </a:r>
+            <a:r>
+              <a:rPr lang="pt-BR" dirty="0"/>
+              <a:t>: </a:t>
+            </a:r>
+            <a:r>
+              <a:rPr lang="pt-BR" dirty="0" err="1"/>
+              <a:t>An</a:t>
+            </a:r>
+            <a:r>
+              <a:rPr lang="pt-BR" dirty="0"/>
+              <a:t> </a:t>
+            </a:r>
+            <a:r>
+              <a:rPr lang="pt-BR" dirty="0" err="1"/>
+              <a:t>Efficient</a:t>
+            </a:r>
+            <a:r>
+              <a:rPr lang="pt-BR" dirty="0"/>
+              <a:t> </a:t>
+            </a:r>
+            <a:r>
+              <a:rPr lang="pt-BR" dirty="0" err="1"/>
+              <a:t>Invariant</a:t>
+            </a:r>
+            <a:r>
+              <a:rPr lang="pt-BR" dirty="0"/>
+              <a:t> </a:t>
+            </a:r>
+            <a:r>
+              <a:rPr lang="pt-BR" dirty="0" err="1"/>
+              <a:t>Generator</a:t>
+            </a:r>
+            <a:endParaRPr lang="pt-BR" dirty="0">
+              <a:latin typeface="Arial" panose="020B0604020202020204" pitchFamily="34" charset="0"/>
+              <a:cs typeface="Arial" panose="020B0604020202020204" pitchFamily="34" charset="0"/>
+            </a:endParaRPr>
+          </a:p>
+        </p:txBody>
+      </p:sp>
+      <p:sp>
+        <p:nvSpPr>
+          <p:cNvPr id="3" name="Espaço Reservado para Conteúdo 2"/>
+          <p:cNvSpPr>
+            <a:spLocks noGrp="1"/>
+          </p:cNvSpPr>
+          <p:nvPr>
+            <p:ph idx="1"/>
+          </p:nvPr>
+        </p:nvSpPr>
+        <p:spPr>
+          <a:xfrm>
+            <a:off x="838200" y="1825625"/>
+            <a:ext cx="10680700" cy="4351338"/>
+          </a:xfrm>
+        </p:spPr>
+        <p:txBody>
+          <a:bodyPr>
+            <a:normAutofit/>
+          </a:bodyPr>
+          <a:lstStyle/>
+          <a:p>
+            <a:pPr algn="just"/>
+            <a:r>
+              <a:rPr lang="pt-BR" dirty="0">
+                <a:cs typeface="Arial" panose="020B0604020202020204" pitchFamily="34" charset="0"/>
+              </a:rPr>
+              <a:t>O artigo propõe o uso de uma ferramenta chamada </a:t>
+            </a:r>
+            <a:r>
+              <a:rPr lang="pt-BR" dirty="0" err="1">
+                <a:cs typeface="Arial" panose="020B0604020202020204" pitchFamily="34" charset="0"/>
+              </a:rPr>
+              <a:t>InvGen</a:t>
+            </a:r>
+            <a:r>
+              <a:rPr lang="pt-BR" dirty="0">
+                <a:cs typeface="Arial" panose="020B0604020202020204" pitchFamily="34" charset="0"/>
+              </a:rPr>
+              <a:t>, que faz uso de </a:t>
+            </a:r>
+            <a:r>
+              <a:rPr lang="pt-BR" dirty="0" err="1">
+                <a:cs typeface="Arial" panose="020B0604020202020204" pitchFamily="34" charset="0"/>
+              </a:rPr>
+              <a:t>templates</a:t>
+            </a:r>
+            <a:r>
+              <a:rPr lang="pt-BR" dirty="0">
+                <a:cs typeface="Arial" panose="020B0604020202020204" pitchFamily="34" charset="0"/>
+              </a:rPr>
+              <a:t> combinados com análises estática e dinâmica para melhorar sua eficiência.</a:t>
+            </a:r>
+          </a:p>
+          <a:p>
+            <a:pPr marL="0" indent="0" algn="just">
+              <a:buNone/>
+            </a:pPr>
+            <a:endParaRPr lang="pt-BR" dirty="0">
+              <a:cs typeface="Arial" panose="020B0604020202020204" pitchFamily="34" charset="0"/>
+            </a:endParaRPr>
+          </a:p>
+          <a:p>
+            <a:pPr algn="just"/>
+            <a:r>
+              <a:rPr lang="pt-BR" dirty="0">
+                <a:cs typeface="Arial" panose="020B0604020202020204" pitchFamily="34" charset="0"/>
+              </a:rPr>
+              <a:t>Conforme </a:t>
+            </a:r>
+            <a:r>
+              <a:rPr lang="pt-BR" dirty="0" smtClean="0">
+                <a:cs typeface="Arial" panose="020B0604020202020204" pitchFamily="34" charset="0"/>
+              </a:rPr>
+              <a:t>explicado anteriormente, </a:t>
+            </a:r>
+            <a:r>
+              <a:rPr lang="pt-BR" dirty="0" err="1" smtClean="0">
+                <a:cs typeface="Arial" panose="020B0604020202020204" pitchFamily="34" charset="0"/>
+              </a:rPr>
+              <a:t>templates</a:t>
+            </a:r>
+            <a:r>
+              <a:rPr lang="pt-BR" dirty="0" smtClean="0">
+                <a:cs typeface="Arial" panose="020B0604020202020204" pitchFamily="34" charset="0"/>
+              </a:rPr>
+              <a:t> são especificações da forma que a invariante encontrada deve ter. Neste artigo, possuem a forma de desigualdades lineares com incógnitas a serem encontradas.</a:t>
+            </a:r>
+          </a:p>
+          <a:p>
+            <a:pPr algn="just"/>
+            <a:endParaRPr lang="pt-BR" dirty="0">
+              <a:cs typeface="Arial" panose="020B0604020202020204" pitchFamily="34" charset="0"/>
+            </a:endParaRPr>
+          </a:p>
+          <a:p>
+            <a:pPr algn="just"/>
+            <a:r>
+              <a:rPr lang="pt-BR" dirty="0" smtClean="0">
+                <a:cs typeface="Arial" panose="020B0604020202020204" pitchFamily="34" charset="0"/>
+              </a:rPr>
+              <a:t>Exemplo: </a:t>
+            </a:r>
+            <a:r>
+              <a:rPr lang="pt-BR" dirty="0" err="1" smtClean="0">
+                <a:cs typeface="Arial" panose="020B0604020202020204" pitchFamily="34" charset="0"/>
+              </a:rPr>
+              <a:t>ax</a:t>
+            </a:r>
+            <a:r>
+              <a:rPr lang="pt-BR" dirty="0" smtClean="0">
+                <a:cs typeface="Arial" panose="020B0604020202020204" pitchFamily="34" charset="0"/>
+              </a:rPr>
+              <a:t> + </a:t>
+            </a:r>
+            <a:r>
+              <a:rPr lang="pt-BR" dirty="0" err="1" smtClean="0">
+                <a:cs typeface="Arial" panose="020B0604020202020204" pitchFamily="34" charset="0"/>
+              </a:rPr>
+              <a:t>bn</a:t>
+            </a:r>
+            <a:r>
+              <a:rPr lang="pt-BR" dirty="0" smtClean="0">
+                <a:cs typeface="Arial" panose="020B0604020202020204" pitchFamily="34" charset="0"/>
+              </a:rPr>
+              <a:t> &lt;= c, onde </a:t>
+            </a:r>
+            <a:r>
+              <a:rPr lang="pt-BR" i="1" dirty="0" smtClean="0">
+                <a:cs typeface="Arial" panose="020B0604020202020204" pitchFamily="34" charset="0"/>
+              </a:rPr>
+              <a:t>x</a:t>
+            </a:r>
+            <a:r>
+              <a:rPr lang="pt-BR" dirty="0" smtClean="0">
+                <a:cs typeface="Arial" panose="020B0604020202020204" pitchFamily="34" charset="0"/>
+              </a:rPr>
+              <a:t> e </a:t>
+            </a:r>
+            <a:r>
+              <a:rPr lang="pt-BR" i="1" dirty="0" smtClean="0">
+                <a:cs typeface="Arial" panose="020B0604020202020204" pitchFamily="34" charset="0"/>
+              </a:rPr>
+              <a:t>n</a:t>
+            </a:r>
+            <a:r>
+              <a:rPr lang="pt-BR" dirty="0" smtClean="0">
+                <a:cs typeface="Arial" panose="020B0604020202020204" pitchFamily="34" charset="0"/>
+              </a:rPr>
+              <a:t> são variáveis e </a:t>
+            </a:r>
+            <a:r>
+              <a:rPr lang="pt-BR" i="1" dirty="0" smtClean="0">
+                <a:cs typeface="Arial" panose="020B0604020202020204" pitchFamily="34" charset="0"/>
+              </a:rPr>
+              <a:t>a, b </a:t>
+            </a:r>
+            <a:r>
+              <a:rPr lang="pt-BR" dirty="0" smtClean="0">
+                <a:cs typeface="Arial" panose="020B0604020202020204" pitchFamily="34" charset="0"/>
+              </a:rPr>
+              <a:t>e </a:t>
+            </a:r>
+            <a:r>
+              <a:rPr lang="pt-BR" i="1" dirty="0" smtClean="0">
+                <a:cs typeface="Arial" panose="020B0604020202020204" pitchFamily="34" charset="0"/>
+              </a:rPr>
+              <a:t>c</a:t>
+            </a:r>
+            <a:r>
+              <a:rPr lang="pt-BR" dirty="0" smtClean="0">
+                <a:cs typeface="Arial" panose="020B0604020202020204" pitchFamily="34" charset="0"/>
+              </a:rPr>
+              <a:t> são incógnitas.</a:t>
+            </a:r>
+            <a:endParaRPr lang="pt-BR" dirty="0">
+              <a:cs typeface="Arial" panose="020B0604020202020204" pitchFamily="34" charset="0"/>
+            </a:endParaRPr>
+          </a:p>
+        </p:txBody>
+      </p:sp>
+    </p:spTree>
+    <p:extLst>
+      <p:ext uri="{BB962C8B-B14F-4D97-AF65-F5344CB8AC3E}">
+        <p14:creationId xmlns:p14="http://schemas.microsoft.com/office/powerpoint/2010/main" val="503631759"/>
+      </p:ext>
+    </p:extLst>
+  </p:cSld>
+  <p:clrMapOvr>
+    <a:masterClrMapping/>
+  </p:clrMapOvr>
+</p:sld>
+</file>
+
+<file path=ppt/slides/slide14.xml><?xml version="1.0" encoding="utf-8"?>
+<p:sld xmlns:a="http://schemas.openxmlformats.org/drawingml/2006/main" xmlns:r="http://schemas.openxmlformats.org/officeDocument/2006/relationships" xmlns:p="http://schemas.openxmlformats.org/presentationml/2006/main">
+  <p:cSld>
+    <p:spTree>
+      <p:nvGrpSpPr>
+        <p:cNvPr id="1" name=""/>
+        <p:cNvGrpSpPr/>
+        <p:nvPr/>
+      </p:nvGrpSpPr>
+      <p:grpSpPr>
+        <a:xfrm>
+          <a:off x="0" y="0"/>
+          <a:ext cx="0" cy="0"/>
+          <a:chOff x="0" y="0"/>
+          <a:chExt cx="0" cy="0"/>
+        </a:xfrm>
+      </p:grpSpPr>
+      <p:sp>
+        <p:nvSpPr>
+          <p:cNvPr id="2" name="Título 1"/>
+          <p:cNvSpPr>
+            <a:spLocks noGrp="1"/>
+          </p:cNvSpPr>
+          <p:nvPr>
+            <p:ph type="title"/>
+          </p:nvPr>
+        </p:nvSpPr>
+        <p:spPr/>
+        <p:txBody>
+          <a:bodyPr>
+            <a:normAutofit/>
+          </a:bodyPr>
+          <a:lstStyle/>
+          <a:p>
+            <a:pPr algn="ctr"/>
+            <a:r>
+              <a:rPr lang="pt-BR" dirty="0" err="1"/>
+              <a:t>InvGen</a:t>
+            </a:r>
+            <a:r>
+              <a:rPr lang="pt-BR" dirty="0"/>
+              <a:t>: </a:t>
+            </a:r>
+            <a:r>
+              <a:rPr lang="pt-BR" dirty="0" err="1"/>
+              <a:t>An</a:t>
+            </a:r>
+            <a:r>
+              <a:rPr lang="pt-BR" dirty="0"/>
+              <a:t> </a:t>
+            </a:r>
+            <a:r>
+              <a:rPr lang="pt-BR" dirty="0" err="1"/>
+              <a:t>Efficient</a:t>
+            </a:r>
+            <a:r>
+              <a:rPr lang="pt-BR" dirty="0"/>
+              <a:t> </a:t>
+            </a:r>
+            <a:r>
+              <a:rPr lang="pt-BR" dirty="0" err="1"/>
+              <a:t>Invariant</a:t>
+            </a:r>
+            <a:r>
+              <a:rPr lang="pt-BR" dirty="0"/>
+              <a:t> </a:t>
+            </a:r>
+            <a:r>
+              <a:rPr lang="pt-BR" dirty="0" err="1"/>
+              <a:t>Generator</a:t>
+            </a:r>
+            <a:endParaRPr lang="pt-BR" dirty="0">
+              <a:latin typeface="Arial" panose="020B0604020202020204" pitchFamily="34" charset="0"/>
+              <a:cs typeface="Arial" panose="020B0604020202020204" pitchFamily="34" charset="0"/>
+            </a:endParaRPr>
+          </a:p>
+        </p:txBody>
+      </p:sp>
+      <p:sp>
+        <p:nvSpPr>
+          <p:cNvPr id="3" name="Espaço Reservado para Conteúdo 2"/>
+          <p:cNvSpPr>
+            <a:spLocks noGrp="1"/>
+          </p:cNvSpPr>
+          <p:nvPr>
+            <p:ph idx="1"/>
+          </p:nvPr>
+        </p:nvSpPr>
+        <p:spPr>
+          <a:xfrm>
+            <a:off x="838200" y="1825625"/>
+            <a:ext cx="10680700" cy="4351338"/>
+          </a:xfrm>
+        </p:spPr>
+        <p:txBody>
+          <a:bodyPr>
+            <a:normAutofit/>
+          </a:bodyPr>
+          <a:lstStyle/>
+          <a:p>
+            <a:pPr algn="just"/>
+            <a:r>
+              <a:rPr lang="pt-BR" dirty="0" smtClean="0">
+                <a:cs typeface="Arial" panose="020B0604020202020204" pitchFamily="34" charset="0"/>
+              </a:rPr>
+              <a:t>A análise dinâmica consiste em executar o programa analisad</a:t>
+            </a:r>
+            <a:r>
+              <a:rPr lang="pt-BR" dirty="0" smtClean="0">
+                <a:cs typeface="Arial" panose="020B0604020202020204" pitchFamily="34" charset="0"/>
+              </a:rPr>
+              <a:t>o com casos de teste, atribuindo valores às variáveis necessárias e verificando quais restrições podem ser aplicadas às variáveis a partir desses casos de teste.</a:t>
+            </a:r>
+          </a:p>
+          <a:p>
+            <a:pPr algn="just"/>
+            <a:endParaRPr lang="pt-BR" dirty="0">
+              <a:cs typeface="Arial" panose="020B0604020202020204" pitchFamily="34" charset="0"/>
+            </a:endParaRPr>
+          </a:p>
+          <a:p>
+            <a:pPr algn="just"/>
+            <a:r>
+              <a:rPr lang="pt-BR" dirty="0" smtClean="0">
+                <a:cs typeface="Arial" panose="020B0604020202020204" pitchFamily="34" charset="0"/>
+              </a:rPr>
+              <a:t>A análise estática, por outro lado, utiliza interpretação abstrata, que basicamente executa uma versão abstrata do programa. O objetivo é encontrar invariantes possivelmente fracas, mas que combinadas com a análise dinâmica podem gerar invariantes mais poderosas.</a:t>
+            </a:r>
+          </a:p>
+        </p:txBody>
+      </p:sp>
+    </p:spTree>
+    <p:extLst>
+      <p:ext uri="{BB962C8B-B14F-4D97-AF65-F5344CB8AC3E}">
+        <p14:creationId xmlns:p14="http://schemas.microsoft.com/office/powerpoint/2010/main" val="1352575303"/>
       </p:ext>
     </p:extLst>
   </p:cSld>
@@ -3111,25 +3950,7 @@
               <a:rPr lang="pt-BR" dirty="0" smtClean="0">
                 <a:cs typeface="Arial" panose="020B0604020202020204" pitchFamily="34" charset="0"/>
               </a:rPr>
-              <a:t>Serão </a:t>
-            </a:r>
-            <a:r>
-              <a:rPr lang="pt-BR" dirty="0" smtClean="0">
-                <a:cs typeface="Arial" panose="020B0604020202020204" pitchFamily="34" charset="0"/>
-              </a:rPr>
-              <a:t>apresentados aqui as metodologias utilizadas em quatro artigos diferentes para encontrar invariantes em loops, um grande desafio da </a:t>
-            </a:r>
-            <a:r>
-              <a:rPr lang="pt-BR" dirty="0" smtClean="0">
-                <a:cs typeface="Arial" panose="020B0604020202020204" pitchFamily="34" charset="0"/>
-              </a:rPr>
-              <a:t>área de </a:t>
-            </a:r>
-            <a:r>
-              <a:rPr lang="pt-BR" dirty="0" smtClean="0">
-                <a:cs typeface="Arial" panose="020B0604020202020204" pitchFamily="34" charset="0"/>
-              </a:rPr>
-              <a:t>verificação de software.</a:t>
+              <a:t>Serão apresentados aqui as metodologias utilizadas em quatro artigos diferentes para encontrar invariantes em loops, um grande desafio da área de verificação de software.</a:t>
             </a:r>
           </a:p>
           <a:p>
@@ -3240,9 +4061,6 @@
               </a:rPr>
               <a:t>Inicialmente, são definidas as entradas e saídas. Saídas são todos os efeitos persistentes que uma função deixa: O retorno da função, mudanças em variáveis globais, etc. A partir destas, define-se as entradas como todas as variáveis que possuem influência na saída.</a:t>
             </a:r>
-            <a:endParaRPr lang="pt-BR" dirty="0" smtClean="0">
-              <a:cs typeface="Arial" panose="020B0604020202020204" pitchFamily="34" charset="0"/>
-            </a:endParaRPr>
           </a:p>
         </p:txBody>
       </p:sp>
@@ -3323,13 +4141,7 @@
               <a:rPr lang="pt-BR" dirty="0" smtClean="0">
                 <a:cs typeface="Arial" panose="020B0604020202020204" pitchFamily="34" charset="0"/>
               </a:rPr>
-              <a:t>O agrupamento é feito em várias etapas. Inicialmente</a:t>
-            </a:r>
-            <a:r>
-              <a:rPr lang="pt-BR" dirty="0" smtClean="0">
-                <a:cs typeface="Arial" panose="020B0604020202020204" pitchFamily="34" charset="0"/>
-              </a:rPr>
-              <a:t>, entradas que percorrem o mesmo “caminho” na função formam grupos. </a:t>
+              <a:t>O agrupamento é feito em várias etapas. Inicialmente, entradas que percorrem o mesmo “caminho” na função formam grupos. </a:t>
             </a:r>
           </a:p>
           <a:p>
@@ -3698,9 +4510,41 @@
           <a:lstStyle/>
           <a:p>
             <a:pPr algn="just"/>
+            <a:r>
+              <a:rPr lang="pt-BR" dirty="0" smtClean="0">
+                <a:cs typeface="Arial" panose="020B0604020202020204" pitchFamily="34" charset="0"/>
+              </a:rPr>
+              <a:t>O método proposto por este artigo utiliza dois algoritmos diferentes e complementares: Um que desempenha o papel de “professor”, e um que desempenha o papel de “estudante”.</a:t>
+            </a:r>
+          </a:p>
+          <a:p>
+            <a:pPr marL="0" indent="0" algn="just">
+              <a:buNone/>
+            </a:pPr>
             <a:endParaRPr lang="pt-BR" dirty="0" smtClean="0">
               <a:cs typeface="Arial" panose="020B0604020202020204" pitchFamily="34" charset="0"/>
             </a:endParaRPr>
+          </a:p>
+          <a:p>
+            <a:pPr algn="just"/>
+            <a:r>
+              <a:rPr lang="pt-BR" dirty="0" smtClean="0">
+                <a:cs typeface="Arial" panose="020B0604020202020204" pitchFamily="34" charset="0"/>
+              </a:rPr>
+              <a:t>O objetivo do “estudante” é fazer várias consultas (</a:t>
+            </a:r>
+            <a:r>
+              <a:rPr lang="pt-BR" i="1" dirty="0" smtClean="0">
+                <a:cs typeface="Arial" panose="020B0604020202020204" pitchFamily="34" charset="0"/>
+              </a:rPr>
+              <a:t>Queries</a:t>
+            </a:r>
+            <a:r>
+              <a:rPr lang="pt-BR" dirty="0" smtClean="0">
+                <a:cs typeface="Arial" panose="020B0604020202020204" pitchFamily="34" charset="0"/>
+              </a:rPr>
+              <a:t>) de tipos pré-determinados ao “professor”, com o objetivo final de obter invariantes de um loop. O “professor” deve ser capaz de responder a estas consultas adequadamente.</a:t>
+            </a:r>
           </a:p>
         </p:txBody>
       </p:sp>
@@ -3708,6 +4552,258 @@
     <p:extLst>
       <p:ext uri="{BB962C8B-B14F-4D97-AF65-F5344CB8AC3E}">
         <p14:creationId xmlns:p14="http://schemas.microsoft.com/office/powerpoint/2010/main" val="1191046301"/>
+      </p:ext>
+    </p:extLst>
+  </p:cSld>
+  <p:clrMapOvr>
+    <a:masterClrMapping/>
+  </p:clrMapOvr>
+</p:sld>
+</file>
+
+<file path=ppt/slides/slide8.xml><?xml version="1.0" encoding="utf-8"?>
+<p:sld xmlns:a="http://schemas.openxmlformats.org/drawingml/2006/main" xmlns:r="http://schemas.openxmlformats.org/officeDocument/2006/relationships" xmlns:p="http://schemas.openxmlformats.org/presentationml/2006/main">
+  <p:cSld>
+    <p:spTree>
+      <p:nvGrpSpPr>
+        <p:cNvPr id="1" name=""/>
+        <p:cNvGrpSpPr/>
+        <p:nvPr/>
+      </p:nvGrpSpPr>
+      <p:grpSpPr>
+        <a:xfrm>
+          <a:off x="0" y="0"/>
+          <a:ext cx="0" cy="0"/>
+          <a:chOff x="0" y="0"/>
+          <a:chExt cx="0" cy="0"/>
+        </a:xfrm>
+      </p:grpSpPr>
+      <p:sp>
+        <p:nvSpPr>
+          <p:cNvPr id="2" name="Título 1"/>
+          <p:cNvSpPr>
+            <a:spLocks noGrp="1"/>
+          </p:cNvSpPr>
+          <p:nvPr>
+            <p:ph type="title"/>
+          </p:nvPr>
+        </p:nvSpPr>
+        <p:spPr/>
+        <p:txBody>
+          <a:bodyPr>
+            <a:normAutofit fontScale="90000"/>
+          </a:bodyPr>
+          <a:lstStyle/>
+          <a:p>
+            <a:pPr algn="ctr"/>
+            <a:r>
+              <a:rPr lang="en-US" dirty="0"/>
+              <a:t>Automatically Inferring Quantified Loop Invariants by Algorithmic Learning from Simple Templates</a:t>
+            </a:r>
+            <a:endParaRPr lang="pt-BR" dirty="0">
+              <a:latin typeface="Arial" panose="020B0604020202020204" pitchFamily="34" charset="0"/>
+              <a:cs typeface="Arial" panose="020B0604020202020204" pitchFamily="34" charset="0"/>
+            </a:endParaRPr>
+          </a:p>
+        </p:txBody>
+      </p:sp>
+      <p:sp>
+        <p:nvSpPr>
+          <p:cNvPr id="3" name="Espaço Reservado para Conteúdo 2"/>
+          <p:cNvSpPr>
+            <a:spLocks noGrp="1"/>
+          </p:cNvSpPr>
+          <p:nvPr>
+            <p:ph idx="1"/>
+          </p:nvPr>
+        </p:nvSpPr>
+        <p:spPr/>
+        <p:txBody>
+          <a:bodyPr/>
+          <a:lstStyle/>
+          <a:p>
+            <a:pPr algn="just"/>
+            <a:r>
+              <a:rPr lang="pt-BR" dirty="0" smtClean="0">
+                <a:cs typeface="Arial" panose="020B0604020202020204" pitchFamily="34" charset="0"/>
+              </a:rPr>
+              <a:t>O modelo estudante-professor originalmente assume que o professor já conhece a invariante que se quer obter, e que esta está sob a forma de uma expressão booleana. Com base nessa certeza, o estudante pode fazer dois tipos de consultas:</a:t>
+            </a:r>
+          </a:p>
+          <a:p>
+            <a:pPr lvl="1" algn="just"/>
+            <a:r>
+              <a:rPr lang="pt-BR" i="1" dirty="0" smtClean="0">
+                <a:cs typeface="Arial" panose="020B0604020202020204" pitchFamily="34" charset="0"/>
+              </a:rPr>
+              <a:t>EQ(B)</a:t>
+            </a:r>
+            <a:r>
+              <a:rPr lang="pt-BR" dirty="0" smtClean="0">
+                <a:cs typeface="Arial" panose="020B0604020202020204" pitchFamily="34" charset="0"/>
+              </a:rPr>
+              <a:t>, uma query de equivalência. O objetivo é saber se a expressão booleana B é equivalente à invariante conhecida pelo professor.</a:t>
+            </a:r>
+          </a:p>
+          <a:p>
+            <a:pPr lvl="1" algn="just"/>
+            <a:r>
+              <a:rPr lang="pt-BR" i="1" dirty="0" smtClean="0">
+                <a:cs typeface="Arial" panose="020B0604020202020204" pitchFamily="34" charset="0"/>
+              </a:rPr>
+              <a:t>MEM(V)</a:t>
+            </a:r>
+            <a:r>
+              <a:rPr lang="pt-BR" dirty="0" smtClean="0">
+                <a:cs typeface="Arial" panose="020B0604020202020204" pitchFamily="34" charset="0"/>
+              </a:rPr>
+              <a:t>, uma query de participação. Seja V uma valoração para as variáveis relevantes à invariante. A consulta deseja saber se a invariante conhecida pelo professor retorna </a:t>
+            </a:r>
+            <a:r>
+              <a:rPr lang="pt-BR" dirty="0" err="1" smtClean="0">
+                <a:cs typeface="Arial" panose="020B0604020202020204" pitchFamily="34" charset="0"/>
+              </a:rPr>
+              <a:t>True</a:t>
+            </a:r>
+            <a:r>
+              <a:rPr lang="pt-BR" dirty="0" smtClean="0">
+                <a:cs typeface="Arial" panose="020B0604020202020204" pitchFamily="34" charset="0"/>
+              </a:rPr>
+              <a:t> ou False quando suas variáveis recebem V como valoração.</a:t>
+            </a:r>
+            <a:endParaRPr lang="pt-BR" i="1" dirty="0" smtClean="0">
+              <a:cs typeface="Arial" panose="020B0604020202020204" pitchFamily="34" charset="0"/>
+            </a:endParaRPr>
+          </a:p>
+        </p:txBody>
+      </p:sp>
+    </p:spTree>
+    <p:extLst>
+      <p:ext uri="{BB962C8B-B14F-4D97-AF65-F5344CB8AC3E}">
+        <p14:creationId xmlns:p14="http://schemas.microsoft.com/office/powerpoint/2010/main" val="1550389822"/>
+      </p:ext>
+    </p:extLst>
+  </p:cSld>
+  <p:clrMapOvr>
+    <a:masterClrMapping/>
+  </p:clrMapOvr>
+</p:sld>
+</file>
+
+<file path=ppt/slides/slide9.xml><?xml version="1.0" encoding="utf-8"?>
+<p:sld xmlns:a="http://schemas.openxmlformats.org/drawingml/2006/main" xmlns:r="http://schemas.openxmlformats.org/officeDocument/2006/relationships" xmlns:p="http://schemas.openxmlformats.org/presentationml/2006/main">
+  <p:cSld>
+    <p:spTree>
+      <p:nvGrpSpPr>
+        <p:cNvPr id="1" name=""/>
+        <p:cNvGrpSpPr/>
+        <p:nvPr/>
+      </p:nvGrpSpPr>
+      <p:grpSpPr>
+        <a:xfrm>
+          <a:off x="0" y="0"/>
+          <a:ext cx="0" cy="0"/>
+          <a:chOff x="0" y="0"/>
+          <a:chExt cx="0" cy="0"/>
+        </a:xfrm>
+      </p:grpSpPr>
+      <p:sp>
+        <p:nvSpPr>
+          <p:cNvPr id="2" name="Título 1"/>
+          <p:cNvSpPr>
+            <a:spLocks noGrp="1"/>
+          </p:cNvSpPr>
+          <p:nvPr>
+            <p:ph type="title"/>
+          </p:nvPr>
+        </p:nvSpPr>
+        <p:spPr/>
+        <p:txBody>
+          <a:bodyPr>
+            <a:normAutofit fontScale="90000"/>
+          </a:bodyPr>
+          <a:lstStyle/>
+          <a:p>
+            <a:pPr algn="ctr"/>
+            <a:r>
+              <a:rPr lang="en-US" dirty="0"/>
+              <a:t>Automatically Inferring Quantified Loop Invariants by Algorithmic Learning from Simple Templates</a:t>
+            </a:r>
+            <a:endParaRPr lang="pt-BR" dirty="0">
+              <a:latin typeface="Arial" panose="020B0604020202020204" pitchFamily="34" charset="0"/>
+              <a:cs typeface="Arial" panose="020B0604020202020204" pitchFamily="34" charset="0"/>
+            </a:endParaRPr>
+          </a:p>
+        </p:txBody>
+      </p:sp>
+      <p:sp>
+        <p:nvSpPr>
+          <p:cNvPr id="3" name="Espaço Reservado para Conteúdo 2"/>
+          <p:cNvSpPr>
+            <a:spLocks noGrp="1"/>
+          </p:cNvSpPr>
+          <p:nvPr>
+            <p:ph idx="1"/>
+          </p:nvPr>
+        </p:nvSpPr>
+        <p:spPr>
+          <a:xfrm>
+            <a:off x="838200" y="1825625"/>
+            <a:ext cx="10680700" cy="4351338"/>
+          </a:xfrm>
+        </p:spPr>
+        <p:txBody>
+          <a:bodyPr>
+            <a:normAutofit lnSpcReduction="10000"/>
+          </a:bodyPr>
+          <a:lstStyle/>
+          <a:p>
+            <a:pPr algn="just"/>
+            <a:r>
+              <a:rPr lang="pt-BR" dirty="0" smtClean="0">
+                <a:cs typeface="Arial" panose="020B0604020202020204" pitchFamily="34" charset="0"/>
+              </a:rPr>
+              <a:t>Na prática, é óbvio que o professor não tem como saber a invariante (Afinal o objetivo do algoritmo é encontra-la).</a:t>
+            </a:r>
+          </a:p>
+          <a:p>
+            <a:pPr algn="just"/>
+            <a:endParaRPr lang="pt-BR" sz="1400" i="1" dirty="0">
+              <a:cs typeface="Arial" panose="020B0604020202020204" pitchFamily="34" charset="0"/>
+            </a:endParaRPr>
+          </a:p>
+          <a:p>
+            <a:pPr algn="just"/>
+            <a:r>
+              <a:rPr lang="pt-BR" dirty="0" smtClean="0">
+                <a:cs typeface="Arial" panose="020B0604020202020204" pitchFamily="34" charset="0"/>
+              </a:rPr>
+              <a:t>Para contornar este contratempo, a proposta do artigo é utilizar certas propriedades das invariantes para responder as consultas de forma aproximada. Às consultas que não podem ser resolvidas dessa forma, o algoritmo dá uma resposta aleatória.</a:t>
+            </a:r>
+          </a:p>
+          <a:p>
+            <a:pPr marL="0" indent="0" algn="just">
+              <a:buNone/>
+            </a:pPr>
+            <a:endParaRPr lang="pt-BR" sz="1500" dirty="0">
+              <a:cs typeface="Arial" panose="020B0604020202020204" pitchFamily="34" charset="0"/>
+            </a:endParaRPr>
+          </a:p>
+          <a:p>
+            <a:pPr algn="just"/>
+            <a:r>
+              <a:rPr lang="pt-BR" dirty="0" smtClean="0">
+                <a:cs typeface="Arial" panose="020B0604020202020204" pitchFamily="34" charset="0"/>
+              </a:rPr>
+              <a:t>A justificativa é, segundo o artigo, que as consultas que podem ser resolvidas por aproximação são suficientes para gerar qualquer invariante.</a:t>
+            </a:r>
+          </a:p>
+        </p:txBody>
+      </p:sp>
+    </p:spTree>
+    <p:extLst>
+      <p:ext uri="{BB962C8B-B14F-4D97-AF65-F5344CB8AC3E}">
+        <p14:creationId xmlns:p14="http://schemas.microsoft.com/office/powerpoint/2010/main" val="248339104"/>
       </p:ext>
     </p:extLst>
   </p:cSld>
